--- a/Plots/QUICHandshake.pptx
+++ b/Plots/QUICHandshake.pptx
@@ -259,7 +259,7 @@
           <a:p>
             <a:fld id="{0DA9736D-3482-45BF-BB70-B95BDBE8FE95}" type="datetimeFigureOut">
               <a:rPr lang="en-US" smtClean="0"/>
-              <a:t>2/9/2022</a:t>
+              <a:t>2/13/2022</a:t>
             </a:fld>
             <a:endParaRPr lang="en-US"/>
           </a:p>
@@ -429,7 +429,7 @@
           <a:p>
             <a:fld id="{0DA9736D-3482-45BF-BB70-B95BDBE8FE95}" type="datetimeFigureOut">
               <a:rPr lang="en-US" smtClean="0"/>
-              <a:t>2/9/2022</a:t>
+              <a:t>2/13/2022</a:t>
             </a:fld>
             <a:endParaRPr lang="en-US"/>
           </a:p>
@@ -609,7 +609,7 @@
           <a:p>
             <a:fld id="{0DA9736D-3482-45BF-BB70-B95BDBE8FE95}" type="datetimeFigureOut">
               <a:rPr lang="en-US" smtClean="0"/>
-              <a:t>2/9/2022</a:t>
+              <a:t>2/13/2022</a:t>
             </a:fld>
             <a:endParaRPr lang="en-US"/>
           </a:p>
@@ -779,7 +779,7 @@
           <a:p>
             <a:fld id="{0DA9736D-3482-45BF-BB70-B95BDBE8FE95}" type="datetimeFigureOut">
               <a:rPr lang="en-US" smtClean="0"/>
-              <a:t>2/9/2022</a:t>
+              <a:t>2/13/2022</a:t>
             </a:fld>
             <a:endParaRPr lang="en-US"/>
           </a:p>
@@ -1023,7 +1023,7 @@
           <a:p>
             <a:fld id="{0DA9736D-3482-45BF-BB70-B95BDBE8FE95}" type="datetimeFigureOut">
               <a:rPr lang="en-US" smtClean="0"/>
-              <a:t>2/9/2022</a:t>
+              <a:t>2/13/2022</a:t>
             </a:fld>
             <a:endParaRPr lang="en-US"/>
           </a:p>
@@ -1255,7 +1255,7 @@
           <a:p>
             <a:fld id="{0DA9736D-3482-45BF-BB70-B95BDBE8FE95}" type="datetimeFigureOut">
               <a:rPr lang="en-US" smtClean="0"/>
-              <a:t>2/9/2022</a:t>
+              <a:t>2/13/2022</a:t>
             </a:fld>
             <a:endParaRPr lang="en-US"/>
           </a:p>
@@ -1622,7 +1622,7 @@
           <a:p>
             <a:fld id="{0DA9736D-3482-45BF-BB70-B95BDBE8FE95}" type="datetimeFigureOut">
               <a:rPr lang="en-US" smtClean="0"/>
-              <a:t>2/9/2022</a:t>
+              <a:t>2/13/2022</a:t>
             </a:fld>
             <a:endParaRPr lang="en-US"/>
           </a:p>
@@ -1740,7 +1740,7 @@
           <a:p>
             <a:fld id="{0DA9736D-3482-45BF-BB70-B95BDBE8FE95}" type="datetimeFigureOut">
               <a:rPr lang="en-US" smtClean="0"/>
-              <a:t>2/9/2022</a:t>
+              <a:t>2/13/2022</a:t>
             </a:fld>
             <a:endParaRPr lang="en-US"/>
           </a:p>
@@ -1835,7 +1835,7 @@
           <a:p>
             <a:fld id="{0DA9736D-3482-45BF-BB70-B95BDBE8FE95}" type="datetimeFigureOut">
               <a:rPr lang="en-US" smtClean="0"/>
-              <a:t>2/9/2022</a:t>
+              <a:t>2/13/2022</a:t>
             </a:fld>
             <a:endParaRPr lang="en-US"/>
           </a:p>
@@ -2112,7 +2112,7 @@
           <a:p>
             <a:fld id="{0DA9736D-3482-45BF-BB70-B95BDBE8FE95}" type="datetimeFigureOut">
               <a:rPr lang="en-US" smtClean="0"/>
-              <a:t>2/9/2022</a:t>
+              <a:t>2/13/2022</a:t>
             </a:fld>
             <a:endParaRPr lang="en-US"/>
           </a:p>
@@ -2369,7 +2369,7 @@
           <a:p>
             <a:fld id="{0DA9736D-3482-45BF-BB70-B95BDBE8FE95}" type="datetimeFigureOut">
               <a:rPr lang="en-US" smtClean="0"/>
-              <a:t>2/9/2022</a:t>
+              <a:t>2/13/2022</a:t>
             </a:fld>
             <a:endParaRPr lang="en-US"/>
           </a:p>
@@ -2582,7 +2582,7 @@
           <a:p>
             <a:fld id="{0DA9736D-3482-45BF-BB70-B95BDBE8FE95}" type="datetimeFigureOut">
               <a:rPr lang="en-US" smtClean="0"/>
-              <a:t>2/9/2022</a:t>
+              <a:t>2/13/2022</a:t>
             </a:fld>
             <a:endParaRPr lang="en-US"/>
           </a:p>
@@ -7112,8 +7112,8 @@
             </p:nvSpPr>
             <p:spPr>
               <a:xfrm rot="900000">
-                <a:off x="4940498" y="1930969"/>
-                <a:ext cx="2323714" cy="677108"/>
+                <a:off x="4902026" y="1930969"/>
+                <a:ext cx="2400658" cy="677108"/>
               </a:xfrm>
               <a:prstGeom prst="rect">
                 <a:avLst/>
@@ -7131,7 +7131,19 @@
                     <a:latin typeface="Times New Roman" panose="02020603050405020304" pitchFamily="18" charset="0"/>
                     <a:cs typeface="Times New Roman" panose="02020603050405020304" pitchFamily="18" charset="0"/>
                   </a:rPr>
-                  <a:t>ACK, Data</a:t>
+                  <a:t>ACK, </a:t>
+                </a:r>
+                <a:r>
+                  <a:rPr lang="en-US" sz="2700" b="1" dirty="0">
+                    <a:solidFill>
+                      <a:schemeClr val="accent6">
+                        <a:lumMod val="75000"/>
+                      </a:schemeClr>
+                    </a:solidFill>
+                    <a:latin typeface="Times New Roman" panose="02020603050405020304" pitchFamily="18" charset="0"/>
+                    <a:cs typeface="Times New Roman" panose="02020603050405020304" pitchFamily="18" charset="0"/>
+                  </a:rPr>
+                  <a:t>Data</a:t>
                 </a:r>
               </a:p>
             </p:txBody>
@@ -7169,8 +7181,8 @@
               <a:r>
                 <a:rPr lang="en-US" sz="2700" dirty="0">
                   <a:solidFill>
-                    <a:schemeClr val="bg2">
-                      <a:lumMod val="50000"/>
+                    <a:schemeClr val="accent6">
+                      <a:lumMod val="75000"/>
                     </a:schemeClr>
                   </a:solidFill>
                   <a:latin typeface="Times New Roman" panose="02020603050405020304" pitchFamily="18" charset="0"/>
@@ -7181,8 +7193,8 @@
               <a:br>
                 <a:rPr lang="en-US" sz="2700" dirty="0">
                   <a:solidFill>
-                    <a:schemeClr val="bg2">
-                      <a:lumMod val="50000"/>
+                    <a:schemeClr val="accent6">
+                      <a:lumMod val="75000"/>
                     </a:schemeClr>
                   </a:solidFill>
                   <a:latin typeface="Times New Roman" panose="02020603050405020304" pitchFamily="18" charset="0"/>
@@ -7192,8 +7204,8 @@
               <a:r>
                 <a:rPr lang="en-US" sz="2700" dirty="0">
                   <a:solidFill>
-                    <a:schemeClr val="bg2">
-                      <a:lumMod val="50000"/>
+                    <a:schemeClr val="accent6">
+                      <a:lumMod val="75000"/>
                     </a:schemeClr>
                   </a:solidFill>
                   <a:latin typeface="Times New Roman" panose="02020603050405020304" pitchFamily="18" charset="0"/>
@@ -7229,8 +7241,8 @@
             </a:prstGeom>
             <a:ln w="38100">
               <a:solidFill>
-                <a:schemeClr val="bg2">
-                  <a:lumMod val="50000"/>
+                <a:schemeClr val="accent6">
+                  <a:lumMod val="75000"/>
                 </a:schemeClr>
               </a:solidFill>
             </a:ln>
@@ -7641,8 +7653,8 @@
             </p:nvSpPr>
             <p:spPr>
               <a:xfrm rot="900000">
-                <a:off x="4371358" y="1928488"/>
-                <a:ext cx="3618940" cy="677108"/>
+                <a:off x="4332886" y="1928488"/>
+                <a:ext cx="3695884" cy="677108"/>
               </a:xfrm>
               <a:prstGeom prst="rect">
                 <a:avLst/>
@@ -7660,7 +7672,19 @@
                     <a:latin typeface="Times New Roman" panose="02020603050405020304" pitchFamily="18" charset="0"/>
                     <a:cs typeface="Times New Roman" panose="02020603050405020304" pitchFamily="18" charset="0"/>
                   </a:rPr>
-                  <a:t>Client Hello, Data</a:t>
+                  <a:t>Client Hello, </a:t>
+                </a:r>
+                <a:r>
+                  <a:rPr lang="en-US" sz="2700" b="1" dirty="0">
+                    <a:solidFill>
+                      <a:schemeClr val="accent6">
+                        <a:lumMod val="75000"/>
+                      </a:schemeClr>
+                    </a:solidFill>
+                    <a:latin typeface="Times New Roman" panose="02020603050405020304" pitchFamily="18" charset="0"/>
+                    <a:cs typeface="Times New Roman" panose="02020603050405020304" pitchFamily="18" charset="0"/>
+                  </a:rPr>
+                  <a:t>Data</a:t>
                 </a:r>
               </a:p>
             </p:txBody>
@@ -7700,8 +7724,8 @@
             </p:nvSpPr>
             <p:spPr>
               <a:xfrm rot="20700000">
-                <a:off x="4353716" y="2553728"/>
-                <a:ext cx="3695884" cy="677108"/>
+                <a:off x="4315244" y="2553728"/>
+                <a:ext cx="3772828" cy="677108"/>
               </a:xfrm>
               <a:prstGeom prst="rect">
                 <a:avLst/>
@@ -7719,7 +7743,19 @@
                     <a:latin typeface="Times New Roman" panose="02020603050405020304" pitchFamily="18" charset="0"/>
                     <a:cs typeface="Times New Roman" panose="02020603050405020304" pitchFamily="18" charset="0"/>
                   </a:rPr>
-                  <a:t>Server Hello, Data</a:t>
+                  <a:t>Server Hello, </a:t>
+                </a:r>
+                <a:r>
+                  <a:rPr lang="en-US" sz="2700" b="1" dirty="0">
+                    <a:solidFill>
+                      <a:schemeClr val="accent6">
+                        <a:lumMod val="75000"/>
+                      </a:schemeClr>
+                    </a:solidFill>
+                    <a:latin typeface="Times New Roman" panose="02020603050405020304" pitchFamily="18" charset="0"/>
+                    <a:cs typeface="Times New Roman" panose="02020603050405020304" pitchFamily="18" charset="0"/>
+                  </a:rPr>
+                  <a:t>Data</a:t>
                 </a:r>
               </a:p>
             </p:txBody>
@@ -7847,8 +7883,8 @@
             </p:nvSpPr>
             <p:spPr>
               <a:xfrm rot="900000">
-                <a:off x="4940498" y="1930969"/>
-                <a:ext cx="2323714" cy="677108"/>
+                <a:off x="4902026" y="1930969"/>
+                <a:ext cx="2400658" cy="677108"/>
               </a:xfrm>
               <a:prstGeom prst="rect">
                 <a:avLst/>
@@ -7866,7 +7902,19 @@
                     <a:latin typeface="Times New Roman" panose="02020603050405020304" pitchFamily="18" charset="0"/>
                     <a:cs typeface="Times New Roman" panose="02020603050405020304" pitchFamily="18" charset="0"/>
                   </a:rPr>
-                  <a:t>ACK, Data</a:t>
+                  <a:t>ACK, </a:t>
+                </a:r>
+                <a:r>
+                  <a:rPr lang="en-US" sz="2700" b="1" dirty="0">
+                    <a:solidFill>
+                      <a:schemeClr val="accent6">
+                        <a:lumMod val="75000"/>
+                      </a:schemeClr>
+                    </a:solidFill>
+                    <a:latin typeface="Times New Roman" panose="02020603050405020304" pitchFamily="18" charset="0"/>
+                    <a:cs typeface="Times New Roman" panose="02020603050405020304" pitchFamily="18" charset="0"/>
+                  </a:rPr>
+                  <a:t>Data</a:t>
                 </a:r>
               </a:p>
             </p:txBody>
@@ -7924,8 +7972,8 @@
                 <a:r>
                   <a:rPr lang="en-US" sz="2700" dirty="0">
                     <a:solidFill>
-                      <a:schemeClr val="bg2">
-                        <a:lumMod val="50000"/>
+                      <a:schemeClr val="accent6">
+                        <a:lumMod val="75000"/>
                       </a:schemeClr>
                     </a:solidFill>
                     <a:latin typeface="Times New Roman" panose="02020603050405020304" pitchFamily="18" charset="0"/>
@@ -7936,8 +7984,8 @@
                 <a:br>
                   <a:rPr lang="en-US" sz="2700" dirty="0">
                     <a:solidFill>
-                      <a:schemeClr val="bg2">
-                        <a:lumMod val="50000"/>
+                      <a:schemeClr val="accent6">
+                        <a:lumMod val="75000"/>
                       </a:schemeClr>
                     </a:solidFill>
                     <a:latin typeface="Times New Roman" panose="02020603050405020304" pitchFamily="18" charset="0"/>
@@ -7947,8 +7995,8 @@
                 <a:r>
                   <a:rPr lang="en-US" sz="2700" dirty="0">
                     <a:solidFill>
-                      <a:schemeClr val="bg2">
-                        <a:lumMod val="50000"/>
+                      <a:schemeClr val="accent6">
+                        <a:lumMod val="75000"/>
                       </a:schemeClr>
                     </a:solidFill>
                     <a:latin typeface="Times New Roman" panose="02020603050405020304" pitchFamily="18" charset="0"/>
@@ -8038,8 +8086,8 @@
               </a:prstGeom>
               <a:ln w="38100">
                 <a:solidFill>
-                  <a:schemeClr val="bg2">
-                    <a:lumMod val="50000"/>
+                  <a:schemeClr val="accent6">
+                    <a:lumMod val="75000"/>
                   </a:schemeClr>
                 </a:solidFill>
               </a:ln>
@@ -9051,8 +9099,8 @@
             </p:nvSpPr>
             <p:spPr>
               <a:xfrm rot="900000">
-                <a:off x="4940498" y="1930969"/>
-                <a:ext cx="2323714" cy="677108"/>
+                <a:off x="4902026" y="1930969"/>
+                <a:ext cx="2400658" cy="677108"/>
               </a:xfrm>
               <a:prstGeom prst="rect">
                 <a:avLst/>
@@ -9070,7 +9118,19 @@
                     <a:latin typeface="Times New Roman" panose="02020603050405020304" pitchFamily="18" charset="0"/>
                     <a:cs typeface="Times New Roman" panose="02020603050405020304" pitchFamily="18" charset="0"/>
                   </a:rPr>
-                  <a:t>ACK, Data</a:t>
+                  <a:t>ACK, </a:t>
+                </a:r>
+                <a:r>
+                  <a:rPr lang="en-US" sz="2700" b="1" dirty="0">
+                    <a:solidFill>
+                      <a:schemeClr val="accent6">
+                        <a:lumMod val="75000"/>
+                      </a:schemeClr>
+                    </a:solidFill>
+                    <a:latin typeface="Times New Roman" panose="02020603050405020304" pitchFamily="18" charset="0"/>
+                    <a:cs typeface="Times New Roman" panose="02020603050405020304" pitchFamily="18" charset="0"/>
+                  </a:rPr>
+                  <a:t>Data</a:t>
                 </a:r>
               </a:p>
             </p:txBody>
@@ -9108,8 +9168,8 @@
               <a:r>
                 <a:rPr lang="en-US" sz="2700" dirty="0">
                   <a:solidFill>
-                    <a:schemeClr val="bg2">
-                      <a:lumMod val="50000"/>
+                    <a:schemeClr val="accent6">
+                      <a:lumMod val="75000"/>
                     </a:schemeClr>
                   </a:solidFill>
                   <a:latin typeface="Times New Roman" panose="02020603050405020304" pitchFamily="18" charset="0"/>
@@ -9120,8 +9180,8 @@
               <a:br>
                 <a:rPr lang="en-US" sz="2700" dirty="0">
                   <a:solidFill>
-                    <a:schemeClr val="bg2">
-                      <a:lumMod val="50000"/>
+                    <a:schemeClr val="accent6">
+                      <a:lumMod val="75000"/>
                     </a:schemeClr>
                   </a:solidFill>
                   <a:latin typeface="Times New Roman" panose="02020603050405020304" pitchFamily="18" charset="0"/>
@@ -9131,8 +9191,8 @@
               <a:r>
                 <a:rPr lang="en-US" sz="2700" dirty="0">
                   <a:solidFill>
-                    <a:schemeClr val="bg2">
-                      <a:lumMod val="50000"/>
+                    <a:schemeClr val="accent6">
+                      <a:lumMod val="75000"/>
                     </a:schemeClr>
                   </a:solidFill>
                   <a:latin typeface="Times New Roman" panose="02020603050405020304" pitchFamily="18" charset="0"/>
@@ -9392,8 +9452,8 @@
             </a:prstGeom>
             <a:ln w="38100">
               <a:solidFill>
-                <a:schemeClr val="bg2">
-                  <a:lumMod val="50000"/>
+                <a:schemeClr val="accent6">
+                  <a:lumMod val="75000"/>
                 </a:schemeClr>
               </a:solidFill>
             </a:ln>
@@ -10151,8 +10211,8 @@
               </p:nvSpPr>
               <p:spPr>
                 <a:xfrm rot="900000">
-                  <a:off x="4371357" y="1928488"/>
-                  <a:ext cx="3618940" cy="677108"/>
+                  <a:off x="4332885" y="1928488"/>
+                  <a:ext cx="3695884" cy="677108"/>
                 </a:xfrm>
                 <a:prstGeom prst="rect">
                   <a:avLst/>
@@ -10170,7 +10230,19 @@
                       <a:latin typeface="Times New Roman" panose="02020603050405020304" pitchFamily="18" charset="0"/>
                       <a:cs typeface="Times New Roman" panose="02020603050405020304" pitchFamily="18" charset="0"/>
                     </a:rPr>
-                    <a:t>Client Hello, Data</a:t>
+                    <a:t>Client Hello, </a:t>
+                  </a:r>
+                  <a:r>
+                    <a:rPr lang="en-US" sz="2700" b="1" dirty="0">
+                      <a:solidFill>
+                        <a:schemeClr val="accent6">
+                          <a:lumMod val="75000"/>
+                        </a:schemeClr>
+                      </a:solidFill>
+                      <a:latin typeface="Times New Roman" panose="02020603050405020304" pitchFamily="18" charset="0"/>
+                      <a:cs typeface="Times New Roman" panose="02020603050405020304" pitchFamily="18" charset="0"/>
+                    </a:rPr>
+                    <a:t>Data</a:t>
                   </a:r>
                 </a:p>
               </p:txBody>
@@ -10210,8 +10282,8 @@
               </p:nvSpPr>
               <p:spPr>
                 <a:xfrm rot="20700000">
-                  <a:off x="4353714" y="2553728"/>
-                  <a:ext cx="3695884" cy="677108"/>
+                  <a:off x="4315242" y="2553728"/>
+                  <a:ext cx="3772828" cy="677108"/>
                 </a:xfrm>
                 <a:prstGeom prst="rect">
                   <a:avLst/>
@@ -10229,7 +10301,19 @@
                       <a:latin typeface="Times New Roman" panose="02020603050405020304" pitchFamily="18" charset="0"/>
                       <a:cs typeface="Times New Roman" panose="02020603050405020304" pitchFamily="18" charset="0"/>
                     </a:rPr>
-                    <a:t>Server Hello, Data</a:t>
+                    <a:t>Server Hello, </a:t>
+                  </a:r>
+                  <a:r>
+                    <a:rPr lang="en-US" sz="2700" b="1" dirty="0">
+                      <a:solidFill>
+                        <a:schemeClr val="accent6">
+                          <a:lumMod val="75000"/>
+                        </a:schemeClr>
+                      </a:solidFill>
+                      <a:latin typeface="Times New Roman" panose="02020603050405020304" pitchFamily="18" charset="0"/>
+                      <a:cs typeface="Times New Roman" panose="02020603050405020304" pitchFamily="18" charset="0"/>
+                    </a:rPr>
+                    <a:t>Data</a:t>
                   </a:r>
                 </a:p>
               </p:txBody>
@@ -10357,8 +10441,8 @@
               </p:nvSpPr>
               <p:spPr>
                 <a:xfrm rot="900000">
-                  <a:off x="4940498" y="1930969"/>
-                  <a:ext cx="2323714" cy="677108"/>
+                  <a:off x="4902026" y="1930969"/>
+                  <a:ext cx="2400658" cy="677108"/>
                 </a:xfrm>
                 <a:prstGeom prst="rect">
                   <a:avLst/>
@@ -10376,7 +10460,19 @@
                       <a:latin typeface="Times New Roman" panose="02020603050405020304" pitchFamily="18" charset="0"/>
                       <a:cs typeface="Times New Roman" panose="02020603050405020304" pitchFamily="18" charset="0"/>
                     </a:rPr>
-                    <a:t>ACK, Data</a:t>
+                    <a:t>ACK, </a:t>
+                  </a:r>
+                  <a:r>
+                    <a:rPr lang="en-US" sz="2700" b="1" dirty="0">
+                      <a:solidFill>
+                        <a:schemeClr val="accent6">
+                          <a:lumMod val="75000"/>
+                        </a:schemeClr>
+                      </a:solidFill>
+                      <a:latin typeface="Times New Roman" panose="02020603050405020304" pitchFamily="18" charset="0"/>
+                      <a:cs typeface="Times New Roman" panose="02020603050405020304" pitchFamily="18" charset="0"/>
+                    </a:rPr>
+                    <a:t>Data</a:t>
                   </a:r>
                 </a:p>
               </p:txBody>
@@ -10414,8 +10510,8 @@
                 <a:r>
                   <a:rPr lang="en-US" sz="2700" dirty="0">
                     <a:solidFill>
-                      <a:schemeClr val="bg2">
-                        <a:lumMod val="50000"/>
+                      <a:schemeClr val="accent6">
+                        <a:lumMod val="75000"/>
                       </a:schemeClr>
                     </a:solidFill>
                     <a:latin typeface="Times New Roman" panose="02020603050405020304" pitchFamily="18" charset="0"/>
@@ -10426,8 +10522,8 @@
                 <a:br>
                   <a:rPr lang="en-US" sz="2700" dirty="0">
                     <a:solidFill>
-                      <a:schemeClr val="bg2">
-                        <a:lumMod val="50000"/>
+                      <a:schemeClr val="accent6">
+                        <a:lumMod val="75000"/>
                       </a:schemeClr>
                     </a:solidFill>
                     <a:latin typeface="Times New Roman" panose="02020603050405020304" pitchFamily="18" charset="0"/>
@@ -10437,8 +10533,8 @@
                 <a:r>
                   <a:rPr lang="en-US" sz="2700" dirty="0">
                     <a:solidFill>
-                      <a:schemeClr val="bg2">
-                        <a:lumMod val="50000"/>
+                      <a:schemeClr val="accent6">
+                        <a:lumMod val="75000"/>
                       </a:schemeClr>
                     </a:solidFill>
                     <a:latin typeface="Times New Roman" panose="02020603050405020304" pitchFamily="18" charset="0"/>
@@ -10528,8 +10624,8 @@
               </a:prstGeom>
               <a:ln w="38100">
                 <a:solidFill>
-                  <a:schemeClr val="bg2">
-                    <a:lumMod val="50000"/>
+                  <a:schemeClr val="accent6">
+                    <a:lumMod val="75000"/>
                   </a:schemeClr>
                 </a:solidFill>
               </a:ln>
@@ -11010,15 +11106,6 @@
 </file>
 
 <file path=customXml/item2.xml><?xml version="1.0" encoding="utf-8"?>
-<?mso-contentType ?>
-<FormTemplates xmlns="http://schemas.microsoft.com/sharepoint/v3/contenttype/forms">
-  <Display>DocumentLibraryForm</Display>
-  <Edit>DocumentLibraryForm</Edit>
-  <New>DocumentLibraryForm</New>
-</FormTemplates>
-</file>
-
-<file path=customXml/item3.xml><?xml version="1.0" encoding="utf-8"?>
 <ct:contentTypeSchema xmlns:ct="http://schemas.microsoft.com/office/2006/metadata/contentType" xmlns:ma="http://schemas.microsoft.com/office/2006/metadata/properties/metaAttributes" ct:_="" ma:_="" ma:contentTypeName="Document" ma:contentTypeID="0x010100F7598C67725F45458626E8D341F66A82" ma:contentTypeVersion="7" ma:contentTypeDescription="Create a new document." ma:contentTypeScope="" ma:versionID="0530ebc50e50687b46464884041a4c88">
   <xsd:schema xmlns:xsd="http://www.w3.org/2001/XMLSchema" xmlns:xs="http://www.w3.org/2001/XMLSchema" xmlns:p="http://schemas.microsoft.com/office/2006/metadata/properties" xmlns:ns2="bb545e35-b962-4eb7-b140-fe632bd2d300" targetNamespace="http://schemas.microsoft.com/office/2006/metadata/properties" ma:root="true" ma:fieldsID="0c30b500e5d3f94f4840b7e2cb20e735" ns2:_="">
     <xsd:import namespace="bb545e35-b962-4eb7-b140-fe632bd2d300"/>
@@ -11182,6 +11269,15 @@
 </ct:contentTypeSchema>
 </file>
 
+<file path=customXml/item3.xml><?xml version="1.0" encoding="utf-8"?>
+<?mso-contentType ?>
+<FormTemplates xmlns="http://schemas.microsoft.com/sharepoint/v3/contenttype/forms">
+  <Display>DocumentLibraryForm</Display>
+  <Edit>DocumentLibraryForm</Edit>
+  <New>DocumentLibraryForm</New>
+</FormTemplates>
+</file>
+
 <file path=customXml/itemProps1.xml><?xml version="1.0" encoding="utf-8"?>
 <ds:datastoreItem xmlns:ds="http://schemas.openxmlformats.org/officeDocument/2006/customXml" ds:itemID="{97C2C223-8CA6-43F8-9514-4E1A17A867EC}">
   <ds:schemaRefs>
@@ -11199,14 +11295,6 @@
 </file>
 
 <file path=customXml/itemProps2.xml><?xml version="1.0" encoding="utf-8"?>
-<ds:datastoreItem xmlns:ds="http://schemas.openxmlformats.org/officeDocument/2006/customXml" ds:itemID="{F23441F7-58FF-48D8-B7E2-A1DA4AD85063}">
-  <ds:schemaRefs>
-    <ds:schemaRef ds:uri="http://schemas.microsoft.com/sharepoint/v3/contenttype/forms"/>
-  </ds:schemaRefs>
-</ds:datastoreItem>
-</file>
-
-<file path=customXml/itemProps3.xml><?xml version="1.0" encoding="utf-8"?>
 <ds:datastoreItem xmlns:ds="http://schemas.openxmlformats.org/officeDocument/2006/customXml" ds:itemID="{2D6F4153-8BFE-452A-B781-DBD427336F2A}">
   <ds:schemaRefs>
     <ds:schemaRef ds:uri="http://schemas.microsoft.com/office/2006/metadata/contentType"/>
@@ -11222,4 +11310,12 @@
     <ds:schemaRef ds:uri="http://schemas.microsoft.com/internal/obd"/>
   </ds:schemaRefs>
 </ds:datastoreItem>
+</file>
+
+<file path=customXml/itemProps3.xml><?xml version="1.0" encoding="utf-8"?>
+<ds:datastoreItem xmlns:ds="http://schemas.openxmlformats.org/officeDocument/2006/customXml" ds:itemID="{F23441F7-58FF-48D8-B7E2-A1DA4AD85063}">
+  <ds:schemaRefs>
+    <ds:schemaRef ds:uri="http://schemas.microsoft.com/sharepoint/v3/contenttype/forms"/>
+  </ds:schemaRefs>
+</ds:datastoreItem>
 </file>